--- a/JavaEE_2020/MongoDB_Query_Document_find_where_gt/MongoDB - Query Document_find_where.pptx
+++ b/JavaEE_2020/MongoDB_Query_Document_find_where_gt/MongoDB - Query Document_find_where.pptx
@@ -3915,7 +3915,7 @@
           <p:nvPr>
             <p:extLst>
               <p:ext uri="{D42A27DB-BD31-4B8C-83A1-F6EECF244321}">
-                <p14:modId xmlns:p14="http://schemas.microsoft.com/office/powerpoint/2010/main" val="534956263"/>
+                <p14:modId xmlns:p14="http://schemas.microsoft.com/office/powerpoint/2010/main" val="1996421607"/>
               </p:ext>
             </p:extLst>
           </p:nvPr>
@@ -4111,7 +4111,7 @@
                         <a:rPr lang="en-US" sz="1200" dirty="0">
                           <a:effectLst/>
                         </a:rPr>
-                        <a:t>where likes &gt; 10</a:t>
+                        <a:t>where likes &gt; 5</a:t>
                       </a:r>
                     </a:p>
                   </a:txBody>
@@ -4228,7 +4228,7 @@
                           <a:ea typeface="+mn-ea"/>
                           <a:cs typeface="+mn-cs"/>
                         </a:rPr>
-                        <a:t>where likes &gt;= 10</a:t>
+                        <a:t>where likes &gt;= 5</a:t>
                       </a:r>
                       <a:endParaRPr lang="en-US" sz="1200" dirty="0">
                         <a:effectLst/>
